--- a/Documents/Presentation.pptx
+++ b/Documents/Presentation.pptx
@@ -127,22 +127,6 @@
       </a:defRPr>
     </a:lvl9pPr>
   </p:defaultTextStyle>
-  <p:extLst>
-    <p:ext uri="{EFAFB233-063F-42B5-8137-9DF3F51BA10A}">
-      <p15:sldGuideLst xmlns:p15="http://schemas.microsoft.com/office/powerpoint/2012/main">
-        <p15:guide id="1" orient="horz" pos="2160">
-          <p15:clr>
-            <a:srgbClr val="A4A3A4"/>
-          </p15:clr>
-        </p15:guide>
-        <p15:guide id="2" pos="2880">
-          <p15:clr>
-            <a:srgbClr val="A4A3A4"/>
-          </p15:clr>
-        </p15:guide>
-      </p15:sldGuideLst>
-    </p:ext>
-  </p:extLst>
 </p:presentation>
 </file>
 
@@ -229,7 +213,7 @@
             <a:fld id="{313D92DA-DAB2-4BED-BFF6-56C1AD5B3EE8}" type="datetimeFigureOut">
               <a:rPr lang="en-US" smtClean="0"/>
               <a:pPr/>
-              <a:t>7/31/2014</a:t>
+              <a:t>7/30/2014</a:t>
             </a:fld>
             <a:endParaRPr lang="en-US"/>
           </a:p>
@@ -398,7 +382,7 @@
     </p:spTree>
     <p:extLst>
       <p:ext uri="{BB962C8B-B14F-4D97-AF65-F5344CB8AC3E}">
-        <p14:creationId xmlns:p14="http://schemas.microsoft.com/office/powerpoint/2010/main" val="4243652935"/>
+        <p14:creationId xmlns:p14="http://schemas.microsoft.com/office/powerpoint/2010/main" xmlns="" val="4243652935"/>
       </p:ext>
     </p:extLst>
   </p:cSld>
@@ -573,7 +557,7 @@
     </p:spTree>
     <p:extLst>
       <p:ext uri="{BB962C8B-B14F-4D97-AF65-F5344CB8AC3E}">
-        <p14:creationId xmlns:p14="http://schemas.microsoft.com/office/powerpoint/2010/main" val="1817736251"/>
+        <p14:creationId xmlns:p14="http://schemas.microsoft.com/office/powerpoint/2010/main" xmlns="" val="1817736251"/>
       </p:ext>
     </p:extLst>
   </p:cSld>
@@ -759,7 +743,7 @@
             <a:fld id="{BAFC558A-44CF-4F92-B215-B72A66627DDD}" type="datetimeFigureOut">
               <a:rPr lang="en-US" smtClean="0"/>
               <a:pPr/>
-              <a:t>7/31/2014</a:t>
+              <a:t>7/30/2014</a:t>
             </a:fld>
             <a:endParaRPr lang="en-US"/>
           </a:p>
@@ -946,7 +930,7 @@
             <a:fld id="{BAFC558A-44CF-4F92-B215-B72A66627DDD}" type="datetimeFigureOut">
               <a:rPr lang="en-US" smtClean="0"/>
               <a:pPr/>
-              <a:t>7/31/2014</a:t>
+              <a:t>7/30/2014</a:t>
             </a:fld>
             <a:endParaRPr lang="en-US"/>
           </a:p>
@@ -1138,7 +1122,7 @@
             <a:fld id="{BAFC558A-44CF-4F92-B215-B72A66627DDD}" type="datetimeFigureOut">
               <a:rPr lang="en-US" smtClean="0"/>
               <a:pPr/>
-              <a:t>7/31/2014</a:t>
+              <a:t>7/30/2014</a:t>
             </a:fld>
             <a:endParaRPr lang="en-US"/>
           </a:p>
@@ -1320,7 +1304,7 @@
             <a:fld id="{BAFC558A-44CF-4F92-B215-B72A66627DDD}" type="datetimeFigureOut">
               <a:rPr lang="en-US" smtClean="0"/>
               <a:pPr/>
-              <a:t>7/31/2014</a:t>
+              <a:t>7/30/2014</a:t>
             </a:fld>
             <a:endParaRPr lang="en-US"/>
           </a:p>
@@ -1571,7 +1555,7 @@
             <a:fld id="{BAFC558A-44CF-4F92-B215-B72A66627DDD}" type="datetimeFigureOut">
               <a:rPr lang="en-US" smtClean="0"/>
               <a:pPr/>
-              <a:t>7/31/2014</a:t>
+              <a:t>7/30/2014</a:t>
             </a:fld>
             <a:endParaRPr lang="en-US"/>
           </a:p>
@@ -1884,7 +1868,7 @@
             <a:fld id="{BAFC558A-44CF-4F92-B215-B72A66627DDD}" type="datetimeFigureOut">
               <a:rPr lang="en-US" smtClean="0"/>
               <a:pPr/>
-              <a:t>7/31/2014</a:t>
+              <a:t>7/30/2014</a:t>
             </a:fld>
             <a:endParaRPr lang="en-US"/>
           </a:p>
@@ -2285,7 +2269,7 @@
             <a:fld id="{BAFC558A-44CF-4F92-B215-B72A66627DDD}" type="datetimeFigureOut">
               <a:rPr lang="en-US" smtClean="0"/>
               <a:pPr/>
-              <a:t>7/31/2014</a:t>
+              <a:t>7/30/2014</a:t>
             </a:fld>
             <a:endParaRPr lang="en-US"/>
           </a:p>
@@ -2475,7 +2459,7 @@
             <a:fld id="{BAFC558A-44CF-4F92-B215-B72A66627DDD}" type="datetimeFigureOut">
               <a:rPr lang="en-US" smtClean="0"/>
               <a:pPr/>
-              <a:t>7/31/2014</a:t>
+              <a:t>7/30/2014</a:t>
             </a:fld>
             <a:endParaRPr lang="en-US"/>
           </a:p>
@@ -2582,7 +2566,7 @@
             <a:fld id="{BAFC558A-44CF-4F92-B215-B72A66627DDD}" type="datetimeFigureOut">
               <a:rPr lang="en-US" smtClean="0"/>
               <a:pPr/>
-              <a:t>7/31/2014</a:t>
+              <a:t>7/30/2014</a:t>
             </a:fld>
             <a:endParaRPr lang="en-US"/>
           </a:p>
@@ -2894,7 +2878,7 @@
             <a:fld id="{BAFC558A-44CF-4F92-B215-B72A66627DDD}" type="datetimeFigureOut">
               <a:rPr lang="en-US" smtClean="0"/>
               <a:pPr/>
-              <a:t>7/31/2014</a:t>
+              <a:t>7/30/2014</a:t>
             </a:fld>
             <a:endParaRPr lang="en-US"/>
           </a:p>
@@ -3045,7 +3029,7 @@
             <a:fld id="{BAFC558A-44CF-4F92-B215-B72A66627DDD}" type="datetimeFigureOut">
               <a:rPr lang="en-US" smtClean="0"/>
               <a:pPr/>
-              <a:t>7/31/2014</a:t>
+              <a:t>7/30/2014</a:t>
             </a:fld>
             <a:endParaRPr lang="en-US"/>
           </a:p>
@@ -3365,7 +3349,7 @@
             <a:fld id="{BAFC558A-44CF-4F92-B215-B72A66627DDD}" type="datetimeFigureOut">
               <a:rPr lang="en-US" smtClean="0"/>
               <a:pPr/>
-              <a:t>7/31/2014</a:t>
+              <a:t>7/30/2014</a:t>
             </a:fld>
             <a:endParaRPr lang="en-US"/>
           </a:p>
@@ -3980,7 +3964,6 @@
           </a:bodyPr>
           <a:lstStyle/>
           <a:p>
-            <a:pPr algn="ctr"/>
             <a:r>
               <a:rPr lang="en-US" sz="2400" b="1" dirty="0" smtClean="0">
                 <a:solidFill>
@@ -4029,27 +4012,9 @@
                 <a:solidFill>
                   <a:srgbClr val="C00000"/>
                 </a:solidFill>
-                <a:latin typeface="Algerian" pitchFamily="82" charset="0"/>
-              </a:rPr>
-              <a:t>	</a:t>
-            </a:r>
-            <a:r>
-              <a:rPr lang="en-US" sz="2400" b="1" dirty="0" smtClean="0">
-                <a:solidFill>
-                  <a:srgbClr val="C00000"/>
-                </a:solidFill>
                 <a:latin typeface="Colonna MT" pitchFamily="82" charset="0"/>
               </a:rPr>
-              <a:t>Final </a:t>
-            </a:r>
-            <a:r>
-              <a:rPr lang="en-US" sz="2400" b="1" dirty="0" smtClean="0">
-                <a:solidFill>
-                  <a:srgbClr val="C00000"/>
-                </a:solidFill>
-                <a:latin typeface="Colonna MT" pitchFamily="82" charset="0"/>
-              </a:rPr>
-              <a:t>Year Project Abstract</a:t>
+              <a:t>Final Year Project Abstract</a:t>
             </a:r>
             <a:r>
               <a:rPr lang="en-US" sz="2400" b="1" dirty="0" smtClean="0">
@@ -4168,8 +4133,29 @@
                   <a:srgbClr val="7030A0"/>
                 </a:solidFill>
               </a:rPr>
-              <a:t>in surveillance system  and human motion”</a:t>
-            </a:r>
+              <a:t>in </a:t>
+            </a:r>
+            <a:r>
+              <a:rPr lang="en-US" sz="2400" b="1" u="none" dirty="0" smtClean="0">
+                <a:solidFill>
+                  <a:srgbClr val="7030A0"/>
+                </a:solidFill>
+              </a:rPr>
+              <a:t>surveillance </a:t>
+            </a:r>
+            <a:r>
+              <a:rPr lang="en-US" sz="2400" b="1" u="none" dirty="0" smtClean="0">
+                <a:solidFill>
+                  <a:srgbClr val="7030A0"/>
+                </a:solidFill>
+              </a:rPr>
+              <a:t>system  and human motion”</a:t>
+            </a:r>
+            <a:endParaRPr lang="en-US" sz="2400" b="1" u="none" dirty="0" smtClean="0">
+              <a:solidFill>
+                <a:srgbClr val="7030A0"/>
+              </a:solidFill>
+            </a:endParaRPr>
           </a:p>
           <a:p>
             <a:r>
@@ -4469,8 +4455,25 @@
                   </a:schemeClr>
                 </a:solidFill>
               </a:rPr>
-              <a:t>CSE Dept</a:t>
-            </a:r>
+              <a:t>CSE </a:t>
+            </a:r>
+            <a:r>
+              <a:rPr lang="en-US" sz="2000" b="1" dirty="0" smtClean="0">
+                <a:solidFill>
+                  <a:schemeClr val="accent2">
+                    <a:lumMod val="50000"/>
+                  </a:schemeClr>
+                </a:solidFill>
+              </a:rPr>
+              <a:t>Dept</a:t>
+            </a:r>
+            <a:endParaRPr lang="en-US" sz="2000" b="1" dirty="0" smtClean="0">
+              <a:solidFill>
+                <a:schemeClr val="accent2">
+                  <a:lumMod val="50000"/>
+                </a:schemeClr>
+              </a:solidFill>
+            </a:endParaRPr>
           </a:p>
           <a:p>
             <a:endParaRPr lang="en-US" dirty="0"/>
@@ -4480,7 +4483,7 @@
     </p:spTree>
     <p:extLst>
       <p:ext uri="{BB962C8B-B14F-4D97-AF65-F5344CB8AC3E}">
-        <p14:creationId xmlns:p14="http://schemas.microsoft.com/office/powerpoint/2010/main" val="3877728135"/>
+        <p14:creationId xmlns:p14="http://schemas.microsoft.com/office/powerpoint/2010/main" xmlns="" val="3877728135"/>
       </p:ext>
     </p:extLst>
   </p:cSld>
@@ -5085,6 +5088,14 @@
               </a:rPr>
               <a:t>The Disadvantages are numerous however: </a:t>
             </a:r>
+            <a:endParaRPr lang="en-US" sz="2400" b="1" dirty="0" smtClean="0">
+              <a:solidFill>
+                <a:schemeClr val="accent2">
+                  <a:lumMod val="50000"/>
+                </a:schemeClr>
+              </a:solidFill>
+              <a:latin typeface="Franklin Gothic Book (Body)"/>
+            </a:endParaRPr>
           </a:p>
           <a:p>
             <a:pPr algn="just">
@@ -5124,7 +5135,40 @@
                 </a:solidFill>
                 <a:latin typeface="Franklin Gothic Book (Body)"/>
               </a:rPr>
-              <a:t>Criminals have been known to remove fingers to open biometric locks, Biometrics requires a lot of data to be kept on a person, these systems are not always reliable as human beings change over time if you are ill; eyes puffy, voice hoarse or your fingers are rough from laboring for example it maybe more difficult for the machinery to identify you accurately.</a:t>
+              <a:t>C</a:t>
+            </a:r>
+            <a:r>
+              <a:rPr lang="en-US" sz="2400" b="1" dirty="0" smtClean="0">
+                <a:solidFill>
+                  <a:schemeClr val="accent2">
+                    <a:lumMod val="50000"/>
+                  </a:schemeClr>
+                </a:solidFill>
+                <a:latin typeface="Franklin Gothic Book (Body)"/>
+              </a:rPr>
+              <a:t>riminals </a:t>
+            </a:r>
+            <a:r>
+              <a:rPr lang="en-US" sz="2400" b="1" dirty="0" smtClean="0">
+                <a:solidFill>
+                  <a:schemeClr val="accent2">
+                    <a:lumMod val="50000"/>
+                  </a:schemeClr>
+                </a:solidFill>
+                <a:latin typeface="Franklin Gothic Book (Body)"/>
+              </a:rPr>
+              <a:t>have been known to remove fingers to open biometric locks, Biometrics requires a lot of data to be kept on a person, these systems are not always reliable as human beings change over time if you are ill; eyes puffy, voice hoarse or your fingers are rough from laboring for example it maybe more difficult for the machinery to identify you accurately</a:t>
+            </a:r>
+            <a:r>
+              <a:rPr lang="en-US" sz="2400" b="1" dirty="0" smtClean="0">
+                <a:solidFill>
+                  <a:schemeClr val="accent2">
+                    <a:lumMod val="50000"/>
+                  </a:schemeClr>
+                </a:solidFill>
+                <a:latin typeface="Franklin Gothic Book (Body)"/>
+              </a:rPr>
+              <a:t>.</a:t>
             </a:r>
           </a:p>
           <a:p>
@@ -5165,8 +5209,27 @@
                 </a:solidFill>
                 <a:latin typeface="Franklin Gothic Book (Body)"/>
               </a:rPr>
-              <a:t> Every time you use Biometrics you are being tracked by a database bringing up a range of privacy issues. </a:t>
-            </a:r>
+              <a:t> </a:t>
+            </a:r>
+            <a:r>
+              <a:rPr lang="en-US" sz="2400" b="1" dirty="0" smtClean="0">
+                <a:solidFill>
+                  <a:schemeClr val="accent2">
+                    <a:lumMod val="50000"/>
+                  </a:schemeClr>
+                </a:solidFill>
+                <a:latin typeface="Franklin Gothic Book (Body)"/>
+              </a:rPr>
+              <a:t>Every time you use Biometrics you are being tracked by a database bringing up a range of privacy issues. </a:t>
+            </a:r>
+            <a:endParaRPr lang="en-US" sz="2400" b="1" dirty="0" smtClean="0">
+              <a:solidFill>
+                <a:schemeClr val="accent2">
+                  <a:lumMod val="50000"/>
+                </a:schemeClr>
+              </a:solidFill>
+              <a:latin typeface="Franklin Gothic Book (Body)"/>
+            </a:endParaRPr>
           </a:p>
           <a:p>
             <a:pPr algn="just">
@@ -5208,7 +5271,18 @@
                 </a:solidFill>
                 <a:latin typeface="Franklin Gothic Book (Body)"/>
               </a:rPr>
-              <a:t>The final disadvantage is the expense and technical complexity of such system.</a:t>
+              <a:t>The </a:t>
+            </a:r>
+            <a:r>
+              <a:rPr lang="en-US" sz="2400" b="1" dirty="0" smtClean="0">
+                <a:solidFill>
+                  <a:schemeClr val="accent2">
+                    <a:lumMod val="50000"/>
+                  </a:schemeClr>
+                </a:solidFill>
+                <a:latin typeface="Franklin Gothic Book (Body)"/>
+              </a:rPr>
+              <a:t>final disadvantage is the expense and technical complexity of such system.</a:t>
             </a:r>
           </a:p>
         </p:txBody>
@@ -5216,7 +5290,7 @@
     </p:spTree>
     <p:extLst>
       <p:ext uri="{BB962C8B-B14F-4D97-AF65-F5344CB8AC3E}">
-        <p14:creationId xmlns:p14="http://schemas.microsoft.com/office/powerpoint/2010/main" val="898667355"/>
+        <p14:creationId xmlns:p14="http://schemas.microsoft.com/office/powerpoint/2010/main" xmlns="" val="898667355"/>
       </p:ext>
     </p:extLst>
   </p:cSld>
@@ -5336,7 +5410,18 @@
                 </a:solidFill>
                 <a:latin typeface="Book Antiqua" pitchFamily="18" charset="0"/>
               </a:rPr>
-              <a:t>Biometric does solve problems and does appeal to the modern demands.</a:t>
+              <a:t>Biometric does solve problems and does appeal to the modern demands</a:t>
+            </a:r>
+            <a:r>
+              <a:rPr lang="en-US" sz="2400" b="1" dirty="0" smtClean="0">
+                <a:solidFill>
+                  <a:schemeClr val="accent2">
+                    <a:lumMod val="50000"/>
+                  </a:schemeClr>
+                </a:solidFill>
+                <a:latin typeface="Book Antiqua" pitchFamily="18" charset="0"/>
+              </a:rPr>
+              <a:t>.</a:t>
             </a:r>
           </a:p>
           <a:p>
@@ -5377,7 +5462,18 @@
                 </a:solidFill>
                 <a:latin typeface="Book Antiqua" pitchFamily="18" charset="0"/>
               </a:rPr>
-              <a:t>Regardless of the fact that some of the biometrics has high initial costs they do save money on the long run to the cooperation and institutes that choose to adopt them.</a:t>
+              <a:t>Regardless of the fact that some of the biometrics has high initial costs they do save money on the long run to the cooperation and institutes that choose to adopt them</a:t>
+            </a:r>
+            <a:r>
+              <a:rPr lang="en-US" sz="2400" b="1" dirty="0" smtClean="0">
+                <a:solidFill>
+                  <a:schemeClr val="accent2">
+                    <a:lumMod val="50000"/>
+                  </a:schemeClr>
+                </a:solidFill>
+                <a:latin typeface="Book Antiqua" pitchFamily="18" charset="0"/>
+              </a:rPr>
+              <a:t>.</a:t>
             </a:r>
           </a:p>
           <a:p>
@@ -5400,6 +5496,14 @@
               </a:rPr>
               <a:t> </a:t>
             </a:r>
+            <a:endParaRPr lang="en-US" sz="2400" b="1" dirty="0" smtClean="0">
+              <a:solidFill>
+                <a:schemeClr val="accent2">
+                  <a:lumMod val="50000"/>
+                </a:schemeClr>
+              </a:solidFill>
+              <a:latin typeface="Book Antiqua" pitchFamily="18" charset="0"/>
+            </a:endParaRPr>
           </a:p>
           <a:p>
             <a:pPr>
@@ -5421,7 +5525,18 @@
                 </a:solidFill>
                 <a:latin typeface="Book Antiqua" pitchFamily="18" charset="0"/>
               </a:rPr>
-              <a:t>It is easy to use and offers almost immediate authentication without several steps.</a:t>
+              <a:t>It is easy to use and offers almost immediate authentication without several steps</a:t>
+            </a:r>
+            <a:r>
+              <a:rPr lang="en-US" sz="2400" b="1" dirty="0" smtClean="0">
+                <a:solidFill>
+                  <a:schemeClr val="accent2">
+                    <a:lumMod val="50000"/>
+                  </a:schemeClr>
+                </a:solidFill>
+                <a:latin typeface="Book Antiqua" pitchFamily="18" charset="0"/>
+              </a:rPr>
+              <a:t>.</a:t>
             </a:r>
           </a:p>
           <a:p>
@@ -5486,7 +5601,7 @@
     </p:spTree>
     <p:extLst>
       <p:ext uri="{BB962C8B-B14F-4D97-AF65-F5344CB8AC3E}">
-        <p14:creationId xmlns:p14="http://schemas.microsoft.com/office/powerpoint/2010/main" val="1147290932"/>
+        <p14:creationId xmlns:p14="http://schemas.microsoft.com/office/powerpoint/2010/main" xmlns="" val="1147290932"/>
       </p:ext>
     </p:extLst>
   </p:cSld>
@@ -5577,7 +5692,7 @@
           <a:blip r:embed="rId3">
             <a:extLst>
               <a:ext uri="{28A0092B-C50C-407E-A947-70E740481C1C}">
-                <a14:useLocalDpi xmlns:a14="http://schemas.microsoft.com/office/drawing/2010/main" val="0"/>
+                <a14:useLocalDpi xmlns:a14="http://schemas.microsoft.com/office/drawing/2010/main" xmlns="" val="0"/>
               </a:ext>
             </a:extLst>
           </a:blip>
@@ -5607,14 +5722,14 @@
           </a:effectLst>
           <a:extLst>
             <a:ext uri="{909E8E84-426E-40DD-AFC4-6F175D3DCCD1}">
-              <a14:hiddenFill xmlns:a14="http://schemas.microsoft.com/office/drawing/2010/main">
+              <a14:hiddenFill xmlns:a14="http://schemas.microsoft.com/office/drawing/2010/main" xmlns="">
                 <a:solidFill>
                   <a:srgbClr val="FFFFFF"/>
                 </a:solidFill>
               </a14:hiddenFill>
             </a:ext>
             <a:ext uri="{91240B29-F687-4F45-9708-019B960494DF}">
-              <a14:hiddenLine xmlns:a14="http://schemas.microsoft.com/office/drawing/2010/main" w="9525">
+              <a14:hiddenLine xmlns:a14="http://schemas.microsoft.com/office/drawing/2010/main" xmlns="" w="9525">
                 <a:solidFill>
                   <a:srgbClr val="000000"/>
                 </a:solidFill>
@@ -5716,7 +5831,7 @@
           <a:blip r:embed="rId4">
             <a:extLst>
               <a:ext uri="{28A0092B-C50C-407E-A947-70E740481C1C}">
-                <a14:useLocalDpi xmlns:a14="http://schemas.microsoft.com/office/drawing/2010/main" val="0"/>
+                <a14:useLocalDpi xmlns:a14="http://schemas.microsoft.com/office/drawing/2010/main" xmlns="" val="0"/>
               </a:ext>
             </a:extLst>
           </a:blip>
@@ -5754,7 +5869,7 @@
           <a:blip r:embed="rId5">
             <a:extLst>
               <a:ext uri="{28A0092B-C50C-407E-A947-70E740481C1C}">
-                <a14:useLocalDpi xmlns:a14="http://schemas.microsoft.com/office/drawing/2010/main" val="0"/>
+                <a14:useLocalDpi xmlns:a14="http://schemas.microsoft.com/office/drawing/2010/main" xmlns="" val="0"/>
               </a:ext>
             </a:extLst>
           </a:blip>
@@ -5784,14 +5899,14 @@
           </a:effectLst>
           <a:extLst>
             <a:ext uri="{909E8E84-426E-40DD-AFC4-6F175D3DCCD1}">
-              <a14:hiddenFill xmlns:a14="http://schemas.microsoft.com/office/drawing/2010/main">
+              <a14:hiddenFill xmlns:a14="http://schemas.microsoft.com/office/drawing/2010/main" xmlns="">
                 <a:solidFill>
                   <a:srgbClr val="FFFFFF"/>
                 </a:solidFill>
               </a14:hiddenFill>
             </a:ext>
             <a:ext uri="{91240B29-F687-4F45-9708-019B960494DF}">
-              <a14:hiddenLine xmlns:a14="http://schemas.microsoft.com/office/drawing/2010/main" w="9525">
+              <a14:hiddenLine xmlns:a14="http://schemas.microsoft.com/office/drawing/2010/main" xmlns="" w="9525">
                 <a:solidFill>
                   <a:srgbClr val="000000"/>
                 </a:solidFill>
@@ -5854,7 +5969,7 @@
           <a:blip r:embed="rId6">
             <a:extLst>
               <a:ext uri="{28A0092B-C50C-407E-A947-70E740481C1C}">
-                <a14:useLocalDpi xmlns:a14="http://schemas.microsoft.com/office/drawing/2010/main" val="0"/>
+                <a14:useLocalDpi xmlns:a14="http://schemas.microsoft.com/office/drawing/2010/main" xmlns="" val="0"/>
               </a:ext>
             </a:extLst>
           </a:blip>
@@ -5884,14 +5999,14 @@
           </a:effectLst>
           <a:extLst>
             <a:ext uri="{909E8E84-426E-40DD-AFC4-6F175D3DCCD1}">
-              <a14:hiddenFill xmlns:a14="http://schemas.microsoft.com/office/drawing/2010/main">
+              <a14:hiddenFill xmlns:a14="http://schemas.microsoft.com/office/drawing/2010/main" xmlns="">
                 <a:solidFill>
                   <a:srgbClr val="FFFFFF"/>
                 </a:solidFill>
               </a14:hiddenFill>
             </a:ext>
             <a:ext uri="{91240B29-F687-4F45-9708-019B960494DF}">
-              <a14:hiddenLine xmlns:a14="http://schemas.microsoft.com/office/drawing/2010/main" w="9525">
+              <a14:hiddenLine xmlns:a14="http://schemas.microsoft.com/office/drawing/2010/main" xmlns="" w="9525">
                 <a:solidFill>
                   <a:srgbClr val="000000"/>
                 </a:solidFill>
@@ -5906,7 +6021,7 @@
     </p:spTree>
     <p:extLst>
       <p:ext uri="{BB962C8B-B14F-4D97-AF65-F5344CB8AC3E}">
-        <p14:creationId xmlns:p14="http://schemas.microsoft.com/office/powerpoint/2010/main" val="1219405203"/>
+        <p14:creationId xmlns:p14="http://schemas.microsoft.com/office/powerpoint/2010/main" xmlns="" val="1219405203"/>
       </p:ext>
     </p:extLst>
   </p:cSld>
@@ -6627,7 +6742,7 @@
           <a:blip r:embed="rId3">
             <a:extLst>
               <a:ext uri="{28A0092B-C50C-407E-A947-70E740481C1C}">
-                <a14:useLocalDpi xmlns:a14="http://schemas.microsoft.com/office/drawing/2010/main" val="0"/>
+                <a14:useLocalDpi xmlns:a14="http://schemas.microsoft.com/office/drawing/2010/main" xmlns="" val="0"/>
               </a:ext>
             </a:extLst>
           </a:blip>
@@ -6646,7 +6761,7 @@
     </p:spTree>
     <p:extLst>
       <p:ext uri="{BB962C8B-B14F-4D97-AF65-F5344CB8AC3E}">
-        <p14:creationId xmlns:p14="http://schemas.microsoft.com/office/powerpoint/2010/main" val="3131269298"/>
+        <p14:creationId xmlns:p14="http://schemas.microsoft.com/office/powerpoint/2010/main" xmlns="" val="3131269298"/>
       </p:ext>
     </p:extLst>
   </p:cSld>
@@ -6737,7 +6852,7 @@
           <a:blip r:embed="rId4">
             <a:extLst>
               <a:ext uri="{28A0092B-C50C-407E-A947-70E740481C1C}">
-                <a14:useLocalDpi xmlns:a14="http://schemas.microsoft.com/office/drawing/2010/main" val="0"/>
+                <a14:useLocalDpi xmlns:a14="http://schemas.microsoft.com/office/drawing/2010/main" xmlns="" val="0"/>
               </a:ext>
             </a:extLst>
           </a:blip>
@@ -6767,14 +6882,14 @@
           </a:effectLst>
           <a:extLst>
             <a:ext uri="{909E8E84-426E-40DD-AFC4-6F175D3DCCD1}">
-              <a14:hiddenFill xmlns:a14="http://schemas.microsoft.com/office/drawing/2010/main">
+              <a14:hiddenFill xmlns:a14="http://schemas.microsoft.com/office/drawing/2010/main" xmlns="">
                 <a:solidFill>
                   <a:srgbClr val="FFFFFF"/>
                 </a:solidFill>
               </a14:hiddenFill>
             </a:ext>
             <a:ext uri="{91240B29-F687-4F45-9708-019B960494DF}">
-              <a14:hiddenLine xmlns:a14="http://schemas.microsoft.com/office/drawing/2010/main" w="9525">
+              <a14:hiddenLine xmlns:a14="http://schemas.microsoft.com/office/drawing/2010/main" xmlns="" w="9525">
                 <a:solidFill>
                   <a:srgbClr val="000000"/>
                 </a:solidFill>
@@ -6837,7 +6952,7 @@
           <a:blip r:embed="rId5">
             <a:extLst>
               <a:ext uri="{28A0092B-C50C-407E-A947-70E740481C1C}">
-                <a14:useLocalDpi xmlns:a14="http://schemas.microsoft.com/office/drawing/2010/main" val="0"/>
+                <a14:useLocalDpi xmlns:a14="http://schemas.microsoft.com/office/drawing/2010/main" xmlns="" val="0"/>
               </a:ext>
             </a:extLst>
           </a:blip>
@@ -6875,7 +6990,7 @@
           <a:blip r:embed="rId6">
             <a:extLst>
               <a:ext uri="{28A0092B-C50C-407E-A947-70E740481C1C}">
-                <a14:useLocalDpi xmlns:a14="http://schemas.microsoft.com/office/drawing/2010/main" val="0"/>
+                <a14:useLocalDpi xmlns:a14="http://schemas.microsoft.com/office/drawing/2010/main" xmlns="" val="0"/>
               </a:ext>
             </a:extLst>
           </a:blip>
@@ -6905,14 +7020,14 @@
           </a:effectLst>
           <a:extLst>
             <a:ext uri="{909E8E84-426E-40DD-AFC4-6F175D3DCCD1}">
-              <a14:hiddenFill xmlns:a14="http://schemas.microsoft.com/office/drawing/2010/main">
+              <a14:hiddenFill xmlns:a14="http://schemas.microsoft.com/office/drawing/2010/main" xmlns="">
                 <a:solidFill>
                   <a:srgbClr val="FFFFFF"/>
                 </a:solidFill>
               </a14:hiddenFill>
             </a:ext>
             <a:ext uri="{91240B29-F687-4F45-9708-019B960494DF}">
-              <a14:hiddenLine xmlns:a14="http://schemas.microsoft.com/office/drawing/2010/main" w="9525">
+              <a14:hiddenLine xmlns:a14="http://schemas.microsoft.com/office/drawing/2010/main" xmlns="" w="9525">
                 <a:solidFill>
                   <a:srgbClr val="000000"/>
                 </a:solidFill>
@@ -7132,7 +7247,7 @@
     </p:spTree>
     <p:extLst>
       <p:ext uri="{BB962C8B-B14F-4D97-AF65-F5344CB8AC3E}">
-        <p14:creationId xmlns:p14="http://schemas.microsoft.com/office/powerpoint/2010/main" val="3201487916"/>
+        <p14:creationId xmlns:p14="http://schemas.microsoft.com/office/powerpoint/2010/main" xmlns="" val="3201487916"/>
       </p:ext>
     </p:extLst>
   </p:cSld>
@@ -8243,7 +8358,17 @@
                   </a:schemeClr>
                 </a:solidFill>
               </a:rPr>
-              <a:t>Interacting with humans and </a:t>
+              <a:t>Interacting </a:t>
+            </a:r>
+            <a:r>
+              <a:rPr lang="en-US" sz="2400" b="1" dirty="0" smtClean="0">
+                <a:solidFill>
+                  <a:schemeClr val="accent2">
+                    <a:lumMod val="50000"/>
+                  </a:schemeClr>
+                </a:solidFill>
+              </a:rPr>
+              <a:t>with humans and </a:t>
             </a:r>
             <a:r>
               <a:rPr lang="en-US" sz="2400" b="1" dirty="0">
@@ -8396,7 +8521,7 @@
     </p:spTree>
     <p:extLst>
       <p:ext uri="{BB962C8B-B14F-4D97-AF65-F5344CB8AC3E}">
-        <p14:creationId xmlns:p14="http://schemas.microsoft.com/office/powerpoint/2010/main" val="718462972"/>
+        <p14:creationId xmlns:p14="http://schemas.microsoft.com/office/powerpoint/2010/main" xmlns="" val="718462972"/>
       </p:ext>
     </p:extLst>
   </p:cSld>
@@ -8735,7 +8860,7 @@
     </p:spTree>
     <p:extLst>
       <p:ext uri="{BB962C8B-B14F-4D97-AF65-F5344CB8AC3E}">
-        <p14:creationId xmlns:p14="http://schemas.microsoft.com/office/powerpoint/2010/main" val="3740794764"/>
+        <p14:creationId xmlns:p14="http://schemas.microsoft.com/office/powerpoint/2010/main" xmlns="" val="3740794764"/>
       </p:ext>
     </p:extLst>
   </p:cSld>
@@ -8789,7 +8914,7 @@
           <a:blip r:embed="rId3">
             <a:extLst>
               <a:ext uri="{28A0092B-C50C-407E-A947-70E740481C1C}">
-                <a14:useLocalDpi xmlns:a14="http://schemas.microsoft.com/office/drawing/2010/main" val="0"/>
+                <a14:useLocalDpi xmlns:a14="http://schemas.microsoft.com/office/drawing/2010/main" xmlns="" val="0"/>
               </a:ext>
             </a:extLst>
           </a:blip>
@@ -8819,14 +8944,14 @@
           </a:effectLst>
           <a:extLst>
             <a:ext uri="{909E8E84-426E-40DD-AFC4-6F175D3DCCD1}">
-              <a14:hiddenFill xmlns:a14="http://schemas.microsoft.com/office/drawing/2010/main">
+              <a14:hiddenFill xmlns:a14="http://schemas.microsoft.com/office/drawing/2010/main" xmlns="">
                 <a:solidFill>
                   <a:srgbClr val="FFFFFF"/>
                 </a:solidFill>
               </a14:hiddenFill>
             </a:ext>
             <a:ext uri="{91240B29-F687-4F45-9708-019B960494DF}">
-              <a14:hiddenLine xmlns:a14="http://schemas.microsoft.com/office/drawing/2010/main" w="9525">
+              <a14:hiddenLine xmlns:a14="http://schemas.microsoft.com/office/drawing/2010/main" xmlns="" w="9525">
                 <a:solidFill>
                   <a:srgbClr val="000000"/>
                 </a:solidFill>
@@ -8865,7 +8990,15 @@
                   <a:srgbClr val="0070C0"/>
                 </a:solidFill>
               </a:rPr>
-              <a:t>Image Acquisition from camera </a:t>
+              <a:t>Image </a:t>
+            </a:r>
+            <a:r>
+              <a:rPr lang="en-US" sz="3600" b="1" dirty="0" smtClean="0">
+                <a:solidFill>
+                  <a:srgbClr val="0070C0"/>
+                </a:solidFill>
+              </a:rPr>
+              <a:t>Acquisition from camera </a:t>
             </a:r>
             <a:endParaRPr lang="en-US" sz="3600" b="1" dirty="0">
               <a:solidFill>
@@ -8878,7 +9011,7 @@
     </p:spTree>
     <p:extLst>
       <p:ext uri="{BB962C8B-B14F-4D97-AF65-F5344CB8AC3E}">
-        <p14:creationId xmlns:p14="http://schemas.microsoft.com/office/powerpoint/2010/main" val="2086905866"/>
+        <p14:creationId xmlns:p14="http://schemas.microsoft.com/office/powerpoint/2010/main" xmlns="" val="2086905866"/>
       </p:ext>
     </p:extLst>
   </p:cSld>
@@ -8932,7 +9065,7 @@
           <a:blip r:embed="rId3">
             <a:extLst>
               <a:ext uri="{28A0092B-C50C-407E-A947-70E740481C1C}">
-                <a14:useLocalDpi xmlns:a14="http://schemas.microsoft.com/office/drawing/2010/main" val="0"/>
+                <a14:useLocalDpi xmlns:a14="http://schemas.microsoft.com/office/drawing/2010/main" xmlns="" val="0"/>
               </a:ext>
             </a:extLst>
           </a:blip>
@@ -8952,7 +9085,7 @@
           <a:noFill/>
           <a:extLst>
             <a:ext uri="{909E8E84-426E-40DD-AFC4-6F175D3DCCD1}">
-              <a14:hiddenFill xmlns:a14="http://schemas.microsoft.com/office/drawing/2010/main">
+              <a14:hiddenFill xmlns:a14="http://schemas.microsoft.com/office/drawing/2010/main" xmlns="">
                 <a:solidFill>
                   <a:srgbClr val="FFFFFF"/>
                 </a:solidFill>
@@ -8964,7 +9097,7 @@
     </p:spTree>
     <p:extLst>
       <p:ext uri="{BB962C8B-B14F-4D97-AF65-F5344CB8AC3E}">
-        <p14:creationId xmlns:p14="http://schemas.microsoft.com/office/powerpoint/2010/main" val="1209168610"/>
+        <p14:creationId xmlns:p14="http://schemas.microsoft.com/office/powerpoint/2010/main" xmlns="" val="1209168610"/>
       </p:ext>
     </p:extLst>
   </p:cSld>
@@ -9018,7 +9151,7 @@
           <a:blip r:embed="rId3">
             <a:extLst>
               <a:ext uri="{28A0092B-C50C-407E-A947-70E740481C1C}">
-                <a14:useLocalDpi xmlns:a14="http://schemas.microsoft.com/office/drawing/2010/main" val="0"/>
+                <a14:useLocalDpi xmlns:a14="http://schemas.microsoft.com/office/drawing/2010/main" xmlns="" val="0"/>
               </a:ext>
             </a:extLst>
           </a:blip>
@@ -9038,7 +9171,7 @@
           <a:noFill/>
           <a:extLst>
             <a:ext uri="{909E8E84-426E-40DD-AFC4-6F175D3DCCD1}">
-              <a14:hiddenFill xmlns:a14="http://schemas.microsoft.com/office/drawing/2010/main">
+              <a14:hiddenFill xmlns:a14="http://schemas.microsoft.com/office/drawing/2010/main" xmlns="">
                 <a:solidFill>
                   <a:srgbClr val="FFFFFF"/>
                 </a:solidFill>
@@ -9110,23 +9243,46 @@
               <a:rPr lang="en-US" b="1" dirty="0" smtClean="0"/>
               <a:t>Detection of moving human in videos from static camera is widely performed by background subtraction method. </a:t>
             </a:r>
+            <a:endParaRPr lang="en-US" b="1" dirty="0" smtClean="0"/>
           </a:p>
           <a:p>
             <a:r>
               <a:rPr lang="en-US" b="1" dirty="0" smtClean="0"/>
-              <a:t>The origin in the approach is that of detecting the moving objects from the difference between the existing frame and a reference frame, frequently called the “background copy”, or “background replica”. </a:t>
-            </a:r>
-          </a:p>
-          <a:p>
+              <a:t>The </a:t>
+            </a:r>
             <a:r>
               <a:rPr lang="en-US" b="1" dirty="0" smtClean="0"/>
-              <a:t>As a baric, the background image must be a representation of the scene with no moving objects and must be kept regularly updated so as to adapt to the varying luminance conditions and geometry settings. </a:t>
-            </a:r>
+              <a:t>origin in the approach is that of detecting the moving objects from the difference between the existing frame and a reference frame, frequently called the “background copy”, or “background replica”. </a:t>
+            </a:r>
+            <a:endParaRPr lang="en-US" b="1" dirty="0" smtClean="0"/>
           </a:p>
           <a:p>
             <a:r>
               <a:rPr lang="en-US" b="1" dirty="0" smtClean="0"/>
-              <a:t>More difficult models have extended the concept of “background subtraction” beyond its literal meaning. The background subtraction method is the common method of motion detection. It is a technology that uses the difference of the current image and the background image to </a:t>
+              <a:t>As </a:t>
+            </a:r>
+            <a:r>
+              <a:rPr lang="en-US" b="1" dirty="0" smtClean="0"/>
+              <a:t>a baric, the background image must be a representation of the scene with no moving objects and must be kept regularly updated so as to adapt to the varying luminance conditions and geometry settings. </a:t>
+            </a:r>
+            <a:endParaRPr lang="en-US" b="1" dirty="0" smtClean="0"/>
+          </a:p>
+          <a:p>
+            <a:r>
+              <a:rPr lang="en-US" b="1" dirty="0" smtClean="0"/>
+              <a:t>More </a:t>
+            </a:r>
+            <a:r>
+              <a:rPr lang="en-US" b="1" dirty="0" smtClean="0"/>
+              <a:t>difficult models have extended the concept of “background subtraction” beyond its literal meaning. The background subtraction method is the </a:t>
+            </a:r>
+            <a:r>
+              <a:rPr lang="en-US" b="1" dirty="0" smtClean="0"/>
+              <a:t>common </a:t>
+            </a:r>
+            <a:r>
+              <a:rPr lang="en-US" b="1" dirty="0" smtClean="0"/>
+              <a:t>method of motion detection. It is a technology that uses the difference of the current image and the background image to </a:t>
             </a:r>
           </a:p>
           <a:p>
@@ -9141,7 +9297,7 @@
     </p:spTree>
     <p:extLst>
       <p:ext uri="{BB962C8B-B14F-4D97-AF65-F5344CB8AC3E}">
-        <p14:creationId xmlns:p14="http://schemas.microsoft.com/office/powerpoint/2010/main" val="3728694018"/>
+        <p14:creationId xmlns:p14="http://schemas.microsoft.com/office/powerpoint/2010/main" xmlns="" val="3728694018"/>
       </p:ext>
     </p:extLst>
   </p:cSld>
@@ -9257,6 +9413,14 @@
               </a:rPr>
               <a:t>Biometrics refers to methods for uniquely recognizing humans based upon one or more intrinsic physical or behavioral traits. </a:t>
             </a:r>
+            <a:endParaRPr lang="en-US" sz="2400" b="1" dirty="0" smtClean="0">
+              <a:solidFill>
+                <a:schemeClr val="accent2">
+                  <a:lumMod val="50000"/>
+                </a:schemeClr>
+              </a:solidFill>
+              <a:latin typeface="Book Antiqua" pitchFamily="18" charset="0"/>
+            </a:endParaRPr>
           </a:p>
           <a:p>
             <a:pPr algn="just"/>
@@ -9294,8 +9458,27 @@
                 </a:solidFill>
                 <a:latin typeface="Book Antiqua" pitchFamily="18" charset="0"/>
               </a:rPr>
-              <a:t>In information technology, in particular, biometrics is used as a form of identity access management and access control. </a:t>
-            </a:r>
+              <a:t>In </a:t>
+            </a:r>
+            <a:r>
+              <a:rPr lang="en-US" sz="2400" b="1" dirty="0" smtClean="0">
+                <a:solidFill>
+                  <a:schemeClr val="accent2">
+                    <a:lumMod val="50000"/>
+                  </a:schemeClr>
+                </a:solidFill>
+                <a:latin typeface="Book Antiqua" pitchFamily="18" charset="0"/>
+              </a:rPr>
+              <a:t>information technology, in particular, biometrics is used as a form of identity access management and access control. </a:t>
+            </a:r>
+            <a:endParaRPr lang="en-US" sz="2400" b="1" dirty="0" smtClean="0">
+              <a:solidFill>
+                <a:schemeClr val="accent2">
+                  <a:lumMod val="50000"/>
+                </a:schemeClr>
+              </a:solidFill>
+              <a:latin typeface="Book Antiqua" pitchFamily="18" charset="0"/>
+            </a:endParaRPr>
           </a:p>
           <a:p>
             <a:pPr algn="just"/>
@@ -9333,7 +9516,18 @@
                 </a:solidFill>
                 <a:latin typeface="Book Antiqua" pitchFamily="18" charset="0"/>
               </a:rPr>
-              <a:t>It is also used to identify individuals in groups that are under surveillance.</a:t>
+              <a:t>It </a:t>
+            </a:r>
+            <a:r>
+              <a:rPr lang="en-US" sz="2400" b="1" dirty="0" smtClean="0">
+                <a:solidFill>
+                  <a:schemeClr val="accent2">
+                    <a:lumMod val="50000"/>
+                  </a:schemeClr>
+                </a:solidFill>
+                <a:latin typeface="Book Antiqua" pitchFamily="18" charset="0"/>
+              </a:rPr>
+              <a:t>is also used to identify individuals in groups that are under surveillance.</a:t>
             </a:r>
           </a:p>
         </p:txBody>
@@ -9341,7 +9535,7 @@
     </p:spTree>
     <p:extLst>
       <p:ext uri="{BB962C8B-B14F-4D97-AF65-F5344CB8AC3E}">
-        <p14:creationId xmlns:p14="http://schemas.microsoft.com/office/powerpoint/2010/main" val="2052717832"/>
+        <p14:creationId xmlns:p14="http://schemas.microsoft.com/office/powerpoint/2010/main" xmlns="" val="2052717832"/>
       </p:ext>
     </p:extLst>
   </p:cSld>
@@ -9402,7 +9596,7 @@
             </a:duotone>
             <a:extLst>
               <a:ext uri="{28A0092B-C50C-407E-A947-70E740481C1C}">
-                <a14:useLocalDpi xmlns:a14="http://schemas.microsoft.com/office/drawing/2010/main" val="0"/>
+                <a14:useLocalDpi xmlns:a14="http://schemas.microsoft.com/office/drawing/2010/main" xmlns="" val="0"/>
               </a:ext>
             </a:extLst>
           </a:blip>
@@ -9435,7 +9629,7 @@
           </a:effectLst>
           <a:extLst>
             <a:ext uri="{909E8E84-426E-40DD-AFC4-6F175D3DCCD1}">
-              <a14:hiddenFill xmlns:a14="http://schemas.microsoft.com/office/drawing/2010/main">
+              <a14:hiddenFill xmlns:a14="http://schemas.microsoft.com/office/drawing/2010/main" xmlns="">
                 <a:solidFill>
                   <a:srgbClr val="FFFFFF"/>
                 </a:solidFill>
@@ -9485,7 +9679,7 @@
     </p:spTree>
     <p:extLst>
       <p:ext uri="{BB962C8B-B14F-4D97-AF65-F5344CB8AC3E}">
-        <p14:creationId xmlns:p14="http://schemas.microsoft.com/office/powerpoint/2010/main" val="1544605048"/>
+        <p14:creationId xmlns:p14="http://schemas.microsoft.com/office/powerpoint/2010/main" xmlns="" val="1544605048"/>
       </p:ext>
     </p:extLst>
   </p:cSld>
@@ -9653,7 +9847,7 @@
           <a:blip r:embed="rId3">
             <a:extLst>
               <a:ext uri="{28A0092B-C50C-407E-A947-70E740481C1C}">
-                <a14:useLocalDpi xmlns:a14="http://schemas.microsoft.com/office/drawing/2010/main" val="0"/>
+                <a14:useLocalDpi xmlns:a14="http://schemas.microsoft.com/office/drawing/2010/main" xmlns="" val="0"/>
               </a:ext>
             </a:extLst>
           </a:blip>
@@ -9738,7 +9932,7 @@
     </p:spTree>
     <p:extLst>
       <p:ext uri="{BB962C8B-B14F-4D97-AF65-F5344CB8AC3E}">
-        <p14:creationId xmlns:p14="http://schemas.microsoft.com/office/powerpoint/2010/main" val="2484347028"/>
+        <p14:creationId xmlns:p14="http://schemas.microsoft.com/office/powerpoint/2010/main" xmlns="" val="2484347028"/>
       </p:ext>
     </p:extLst>
   </p:cSld>
@@ -9903,7 +10097,7 @@
     </p:spTree>
     <p:extLst>
       <p:ext uri="{BB962C8B-B14F-4D97-AF65-F5344CB8AC3E}">
-        <p14:creationId xmlns:p14="http://schemas.microsoft.com/office/powerpoint/2010/main" val="2012931992"/>
+        <p14:creationId xmlns:p14="http://schemas.microsoft.com/office/powerpoint/2010/main" xmlns="" val="2012931992"/>
       </p:ext>
     </p:extLst>
   </p:cSld>
@@ -10100,15 +10294,34 @@
                 </a:solidFill>
                 <a:latin typeface="Book Antiqua" pitchFamily="18" charset="0"/>
               </a:rPr>
-              <a:t> Ear recognition</a:t>
-            </a:r>
+              <a:t> Ear </a:t>
+            </a:r>
+            <a:r>
+              <a:rPr lang="en-US" sz="2400" b="1" dirty="0" smtClean="0">
+                <a:solidFill>
+                  <a:schemeClr val="accent2">
+                    <a:lumMod val="50000"/>
+                  </a:schemeClr>
+                </a:solidFill>
+                <a:latin typeface="Book Antiqua" pitchFamily="18" charset="0"/>
+              </a:rPr>
+              <a:t>recognition</a:t>
+            </a:r>
+            <a:endParaRPr lang="en-US" sz="2400" b="1" dirty="0" smtClean="0">
+              <a:solidFill>
+                <a:schemeClr val="accent2">
+                  <a:lumMod val="50000"/>
+                </a:schemeClr>
+              </a:solidFill>
+              <a:latin typeface="Book Antiqua" pitchFamily="18" charset="0"/>
+            </a:endParaRPr>
           </a:p>
         </p:txBody>
       </p:sp>
     </p:spTree>
     <p:extLst>
       <p:ext uri="{BB962C8B-B14F-4D97-AF65-F5344CB8AC3E}">
-        <p14:creationId xmlns:p14="http://schemas.microsoft.com/office/powerpoint/2010/main" val="3493680762"/>
+        <p14:creationId xmlns:p14="http://schemas.microsoft.com/office/powerpoint/2010/main" xmlns="" val="3493680762"/>
       </p:ext>
     </p:extLst>
   </p:cSld>
@@ -10272,7 +10485,7 @@
     </p:spTree>
     <p:extLst>
       <p:ext uri="{BB962C8B-B14F-4D97-AF65-F5344CB8AC3E}">
-        <p14:creationId xmlns:p14="http://schemas.microsoft.com/office/powerpoint/2010/main" val="2806393753"/>
+        <p14:creationId xmlns:p14="http://schemas.microsoft.com/office/powerpoint/2010/main" xmlns="" val="2806393753"/>
       </p:ext>
     </p:extLst>
   </p:cSld>
@@ -10415,35 +10628,87 @@
                   </a:schemeClr>
                 </a:solidFill>
               </a:rPr>
-              <a:t> Biometric System: .</a:t>
-            </a:r>
-          </a:p>
-          <a:p>
-            <a:r>
-              <a:rPr lang="en-US" sz="2400" b="1" dirty="0" smtClean="0">
+              <a:t> </a:t>
+            </a:r>
+            <a:r>
+              <a:rPr lang="en-US" sz="2400" b="1" u="none" dirty="0" smtClean="0">
                 <a:solidFill>
                   <a:schemeClr val="accent2">
                     <a:lumMod val="50000"/>
                   </a:schemeClr>
                 </a:solidFill>
               </a:rPr>
-              <a:t>             </a:t>
-            </a:r>
-          </a:p>
-          <a:p>
-            <a:r>
-              <a:rPr lang="en-US" sz="2400" b="1" dirty="0" smtClean="0">
+              <a:t>Biometric </a:t>
+            </a:r>
+            <a:r>
+              <a:rPr lang="en-US" sz="2400" b="1" u="none" dirty="0" smtClean="0">
                 <a:solidFill>
                   <a:schemeClr val="accent2">
                     <a:lumMod val="50000"/>
                   </a:schemeClr>
                 </a:solidFill>
               </a:rPr>
-              <a:t>   </a:t>
+              <a:t>System: .</a:t>
+            </a:r>
+          </a:p>
+          <a:p>
+            <a:r>
+              <a:rPr lang="en-US" sz="2400" b="1" dirty="0" smtClean="0">
+                <a:solidFill>
+                  <a:schemeClr val="accent2">
+                    <a:lumMod val="50000"/>
+                  </a:schemeClr>
+                </a:solidFill>
+              </a:rPr>
+              <a:t> </a:t>
+            </a:r>
+            <a:r>
+              <a:rPr lang="en-US" sz="2400" b="1" dirty="0" smtClean="0">
+                <a:solidFill>
+                  <a:schemeClr val="accent2">
+                    <a:lumMod val="50000"/>
+                  </a:schemeClr>
+                </a:solidFill>
+              </a:rPr>
+              <a:t>            </a:t>
+            </a:r>
+          </a:p>
+          <a:p>
+            <a:r>
+              <a:rPr lang="en-US" sz="2400" b="1" dirty="0" smtClean="0">
+                <a:solidFill>
+                  <a:schemeClr val="accent2">
+                    <a:lumMod val="50000"/>
+                  </a:schemeClr>
+                </a:solidFill>
+              </a:rPr>
+              <a:t> </a:t>
+            </a:r>
+            <a:r>
+              <a:rPr lang="en-US" sz="2400" b="1" dirty="0" smtClean="0">
+                <a:solidFill>
+                  <a:schemeClr val="accent2">
+                    <a:lumMod val="50000"/>
+                  </a:schemeClr>
+                </a:solidFill>
+              </a:rPr>
+              <a:t>  </a:t>
             </a:r>
             <a:r>
               <a:rPr lang="en-US" sz="2400" dirty="0" smtClean="0"/>
-              <a:t>only one biometric sample is used  to recognize a person</a:t>
+              <a:t>only </a:t>
+            </a:r>
+            <a:r>
+              <a:rPr lang="en-US" sz="2400" dirty="0" smtClean="0"/>
+              <a:t>one biometric </a:t>
+            </a:r>
+            <a:r>
+              <a:rPr lang="en-US" sz="2400" dirty="0" smtClean="0"/>
+              <a:t>sample is used  </a:t>
+            </a:r>
+            <a:r>
+              <a:rPr lang="en-US" sz="2400" dirty="0" smtClean="0"/>
+              <a:t>to recognize a person</a:t>
             </a:r>
             <a:endParaRPr lang="en-US" sz="2400" b="1" u="none" dirty="0" smtClean="0">
               <a:solidFill>
@@ -10525,13 +10790,21 @@
             </a:r>
             <a:r>
               <a:rPr lang="en-US" sz="2400" dirty="0" smtClean="0"/>
-              <a:t>uses two or more biometric samples from the same     </a:t>
-            </a:r>
-          </a:p>
-          <a:p>
+              <a:t>uses two or more biometric samples from the same </a:t>
+            </a:r>
             <a:r>
               <a:rPr lang="en-US" sz="2400" dirty="0" smtClean="0"/>
-              <a:t>       person in order to identify the person</a:t>
+              <a:t>    </a:t>
+            </a:r>
+          </a:p>
+          <a:p>
+            <a:r>
+              <a:rPr lang="en-US" sz="2400" dirty="0" smtClean="0"/>
+              <a:t>       person </a:t>
+            </a:r>
+            <a:r>
+              <a:rPr lang="en-US" sz="2400" dirty="0" smtClean="0"/>
+              <a:t>in order to identify the person</a:t>
             </a:r>
             <a:r>
               <a:rPr lang="en-US" sz="2400" u="none" dirty="0" smtClean="0">
@@ -10552,7 +10825,7 @@
     </p:spTree>
     <p:extLst>
       <p:ext uri="{BB962C8B-B14F-4D97-AF65-F5344CB8AC3E}">
-        <p14:creationId xmlns:p14="http://schemas.microsoft.com/office/powerpoint/2010/main" val="836690478"/>
+        <p14:creationId xmlns:p14="http://schemas.microsoft.com/office/powerpoint/2010/main" xmlns="" val="836690478"/>
       </p:ext>
     </p:extLst>
   </p:cSld>
@@ -10644,7 +10917,7 @@
           <a:blip r:embed="rId3">
             <a:extLst>
               <a:ext uri="{28A0092B-C50C-407E-A947-70E740481C1C}">
-                <a14:useLocalDpi xmlns:a14="http://schemas.microsoft.com/office/drawing/2010/main" val="0"/>
+                <a14:useLocalDpi xmlns:a14="http://schemas.microsoft.com/office/drawing/2010/main" xmlns="" val="0"/>
               </a:ext>
             </a:extLst>
           </a:blip>
@@ -10667,14 +10940,14 @@
           </a:ln>
           <a:extLst>
             <a:ext uri="{909E8E84-426E-40DD-AFC4-6F175D3DCCD1}">
-              <a14:hiddenFill xmlns:a14="http://schemas.microsoft.com/office/drawing/2010/main">
+              <a14:hiddenFill xmlns:a14="http://schemas.microsoft.com/office/drawing/2010/main" xmlns="">
                 <a:solidFill>
                   <a:srgbClr val="FFFFFF"/>
                 </a:solidFill>
               </a14:hiddenFill>
             </a:ext>
             <a:ext uri="{91240B29-F687-4F45-9708-019B960494DF}">
-              <a14:hiddenLine xmlns:a14="http://schemas.microsoft.com/office/drawing/2010/main" w="9525">
+              <a14:hiddenLine xmlns:a14="http://schemas.microsoft.com/office/drawing/2010/main" xmlns="" w="9525">
                 <a:solidFill>
                   <a:srgbClr val="000000"/>
                 </a:solidFill>
@@ -10689,7 +10962,7 @@
     </p:spTree>
     <p:extLst>
       <p:ext uri="{BB962C8B-B14F-4D97-AF65-F5344CB8AC3E}">
-        <p14:creationId xmlns:p14="http://schemas.microsoft.com/office/powerpoint/2010/main" val="2693130998"/>
+        <p14:creationId xmlns:p14="http://schemas.microsoft.com/office/powerpoint/2010/main" xmlns="" val="2693130998"/>
       </p:ext>
     </p:extLst>
   </p:cSld>
@@ -10910,7 +11183,7 @@
     </p:spTree>
     <p:extLst>
       <p:ext uri="{BB962C8B-B14F-4D97-AF65-F5344CB8AC3E}">
-        <p14:creationId xmlns:p14="http://schemas.microsoft.com/office/powerpoint/2010/main" val="1379359150"/>
+        <p14:creationId xmlns:p14="http://schemas.microsoft.com/office/powerpoint/2010/main" xmlns="" val="1379359150"/>
       </p:ext>
     </p:extLst>
   </p:cSld>
@@ -11030,8 +11303,27 @@
                 </a:solidFill>
                 <a:latin typeface="Book Antiqua" pitchFamily="18" charset="0"/>
               </a:rPr>
-              <a:t>The person is the key so you need never remember your card or key again. </a:t>
-            </a:r>
+              <a:t>The person </a:t>
+            </a:r>
+            <a:r>
+              <a:rPr lang="en-US" sz="2400" b="1" dirty="0" smtClean="0">
+                <a:solidFill>
+                  <a:schemeClr val="accent2">
+                    <a:lumMod val="50000"/>
+                  </a:schemeClr>
+                </a:solidFill>
+                <a:latin typeface="Book Antiqua" pitchFamily="18" charset="0"/>
+              </a:rPr>
+              <a:t>is the key so you need never remember your card or key again. </a:t>
+            </a:r>
+            <a:endParaRPr lang="en-US" sz="2400" b="1" dirty="0" smtClean="0">
+              <a:solidFill>
+                <a:schemeClr val="accent2">
+                  <a:lumMod val="50000"/>
+                </a:schemeClr>
+              </a:solidFill>
+              <a:latin typeface="Book Antiqua" pitchFamily="18" charset="0"/>
+            </a:endParaRPr>
           </a:p>
           <a:p>
             <a:pPr algn="just">
@@ -11071,7 +11363,29 @@
                 </a:solidFill>
                 <a:latin typeface="Book Antiqua" pitchFamily="18" charset="0"/>
               </a:rPr>
-              <a:t>Each body part is unique and Biometrics uses your unique identity to enable a purchase activate something or unlock something.</a:t>
+              <a:t>Each </a:t>
+            </a:r>
+            <a:r>
+              <a:rPr lang="en-US" sz="2400" b="1" dirty="0" smtClean="0">
+                <a:solidFill>
+                  <a:schemeClr val="accent2">
+                    <a:lumMod val="50000"/>
+                  </a:schemeClr>
+                </a:solidFill>
+                <a:latin typeface="Book Antiqua" pitchFamily="18" charset="0"/>
+              </a:rPr>
+              <a:t>body part is unique and Biometrics uses your unique identity to enable a purchase activate something or unlock something</a:t>
+            </a:r>
+            <a:r>
+              <a:rPr lang="en-US" sz="2400" b="1" dirty="0" smtClean="0">
+                <a:solidFill>
+                  <a:schemeClr val="accent2">
+                    <a:lumMod val="50000"/>
+                  </a:schemeClr>
+                </a:solidFill>
+                <a:latin typeface="Book Antiqua" pitchFamily="18" charset="0"/>
+              </a:rPr>
+              <a:t>.</a:t>
             </a:r>
           </a:p>
           <a:p>
@@ -11112,7 +11426,51 @@
                 </a:solidFill>
                 <a:latin typeface="Book Antiqua" pitchFamily="18" charset="0"/>
               </a:rPr>
-              <a:t> Biometrics encompasses Voice, Vein, Eye, Fingerprint, Facial recognition and more </a:t>
+              <a:t> </a:t>
+            </a:r>
+            <a:r>
+              <a:rPr lang="en-US" sz="2400" b="1" dirty="0" smtClean="0">
+                <a:solidFill>
+                  <a:schemeClr val="accent2">
+                    <a:lumMod val="50000"/>
+                  </a:schemeClr>
+                </a:solidFill>
+                <a:latin typeface="Book Antiqua" pitchFamily="18" charset="0"/>
+              </a:rPr>
+              <a:t>Biometrics encompasses </a:t>
+            </a:r>
+            <a:r>
+              <a:rPr lang="en-US" sz="2400" b="1" dirty="0" smtClean="0">
+                <a:solidFill>
+                  <a:schemeClr val="accent2">
+                    <a:lumMod val="50000"/>
+                  </a:schemeClr>
+                </a:solidFill>
+                <a:latin typeface="Book Antiqua" pitchFamily="18" charset="0"/>
+              </a:rPr>
+              <a:t>Voice</a:t>
+            </a:r>
+            <a:r>
+              <a:rPr lang="en-US" sz="2400" b="1" dirty="0" smtClean="0">
+                <a:solidFill>
+                  <a:schemeClr val="accent2">
+                    <a:lumMod val="50000"/>
+                  </a:schemeClr>
+                </a:solidFill>
+                <a:latin typeface="Book Antiqua" pitchFamily="18" charset="0"/>
+              </a:rPr>
+              <a:t>, Vein, Eye, Fingerprint, Facial recognition and </a:t>
+            </a:r>
+            <a:r>
+              <a:rPr lang="en-US" sz="2400" b="1" dirty="0" smtClean="0">
+                <a:solidFill>
+                  <a:schemeClr val="accent2">
+                    <a:lumMod val="50000"/>
+                  </a:schemeClr>
+                </a:solidFill>
+                <a:latin typeface="Book Antiqua" pitchFamily="18" charset="0"/>
+              </a:rPr>
+              <a:t>more </a:t>
             </a:r>
           </a:p>
           <a:p>
@@ -11155,7 +11513,29 @@
                 </a:solidFill>
                 <a:latin typeface="Book Antiqua" pitchFamily="18" charset="0"/>
               </a:rPr>
-              <a:t>Logical access control e.g.: biometric signature. </a:t>
+              <a:t>Logical </a:t>
+            </a:r>
+            <a:r>
+              <a:rPr lang="en-US" sz="2400" b="1" dirty="0" smtClean="0">
+                <a:solidFill>
+                  <a:schemeClr val="accent2">
+                    <a:lumMod val="50000"/>
+                  </a:schemeClr>
+                </a:solidFill>
+                <a:latin typeface="Book Antiqua" pitchFamily="18" charset="0"/>
+              </a:rPr>
+              <a:t>access </a:t>
+            </a:r>
+            <a:r>
+              <a:rPr lang="en-US" sz="2400" b="1" dirty="0" smtClean="0">
+                <a:solidFill>
+                  <a:schemeClr val="accent2">
+                    <a:lumMod val="50000"/>
+                  </a:schemeClr>
+                </a:solidFill>
+                <a:latin typeface="Book Antiqua" pitchFamily="18" charset="0"/>
+              </a:rPr>
+              <a:t>control e.g.: biometric signature. </a:t>
             </a:r>
           </a:p>
           <a:p>
@@ -11237,7 +11617,18 @@
                 </a:solidFill>
                 <a:latin typeface="Book Antiqua" pitchFamily="18" charset="0"/>
               </a:rPr>
-              <a:t> Airports</a:t>
+              <a:t> </a:t>
+            </a:r>
+            <a:r>
+              <a:rPr lang="en-US" sz="2400" b="1" dirty="0" smtClean="0">
+                <a:solidFill>
+                  <a:schemeClr val="accent2">
+                    <a:lumMod val="50000"/>
+                  </a:schemeClr>
+                </a:solidFill>
+                <a:latin typeface="Book Antiqua" pitchFamily="18" charset="0"/>
+              </a:rPr>
+              <a:t>Airports</a:t>
             </a:r>
           </a:p>
         </p:txBody>
@@ -11245,7 +11636,7 @@
     </p:spTree>
     <p:extLst>
       <p:ext uri="{BB962C8B-B14F-4D97-AF65-F5344CB8AC3E}">
-        <p14:creationId xmlns:p14="http://schemas.microsoft.com/office/powerpoint/2010/main" val="235827039"/>
+        <p14:creationId xmlns:p14="http://schemas.microsoft.com/office/powerpoint/2010/main" xmlns="" val="235827039"/>
       </p:ext>
     </p:extLst>
   </p:cSld>
